--- a/Real estate.pptx
+++ b/Real estate.pptx
@@ -4626,7 +4626,7 @@
           <a:p>
             <a:fld id="{4C9FECC2-CF1A-49FE-AC4C-08F0A97E605F}" type="datetime8">
               <a:rPr lang="en-IL" smtClean="0"/>
-              <a:t>23/01/2021 13:50</a:t>
+              <a:t>03/02/2021 21:04</a:t>
             </a:fld>
             <a:endParaRPr lang="en-IL"/>
           </a:p>
@@ -5101,7 +5101,7 @@
           <a:p>
             <a:fld id="{24A89830-A7E5-4765-A9AC-03739E936531}" type="datetime8">
               <a:rPr lang="en-IL" smtClean="0"/>
-              <a:t>23/01/2021 13:49</a:t>
+              <a:t>03/02/2021 21:04</a:t>
             </a:fld>
             <a:endParaRPr lang="en-IL"/>
           </a:p>
@@ -5541,7 +5541,7 @@
           <a:p>
             <a:fld id="{CA9007D8-E20B-448A-91C5-70C371552000}" type="datetime8">
               <a:rPr lang="en-IL" smtClean="0"/>
-              <a:t>23/01/2021 13:49</a:t>
+              <a:t>03/02/2021 21:04</a:t>
             </a:fld>
             <a:endParaRPr lang="en-IL"/>
           </a:p>
@@ -5854,7 +5854,7 @@
           <a:p>
             <a:fld id="{CA9007D8-E20B-448A-91C5-70C371552000}" type="datetime8">
               <a:rPr lang="en-IL" smtClean="0"/>
-              <a:t>23/01/2021 13:49</a:t>
+              <a:t>03/02/2021 21:04</a:t>
             </a:fld>
             <a:endParaRPr lang="en-IL"/>
           </a:p>
@@ -6077,7 +6077,7 @@
           <a:p>
             <a:fld id="{CA9007D8-E20B-448A-91C5-70C371552000}" type="datetime8">
               <a:rPr lang="en-IL" smtClean="0"/>
-              <a:t>23/01/2021 13:49</a:t>
+              <a:t>03/02/2021 21:04</a:t>
             </a:fld>
             <a:endParaRPr lang="en-IL"/>
           </a:p>
@@ -6369,7 +6369,7 @@
           <a:p>
             <a:fld id="{CA9007D8-E20B-448A-91C5-70C371552000}" type="datetime8">
               <a:rPr lang="en-IL" smtClean="0"/>
-              <a:t>23/01/2021 13:49</a:t>
+              <a:t>03/02/2021 21:04</a:t>
             </a:fld>
             <a:endParaRPr lang="en-IL"/>
           </a:p>
@@ -6824,7 +6824,7 @@
           <a:p>
             <a:fld id="{CA9007D8-E20B-448A-91C5-70C371552000}" type="datetime8">
               <a:rPr lang="en-IL" smtClean="0"/>
-              <a:t>23/01/2021 13:49</a:t>
+              <a:t>03/02/2021 21:04</a:t>
             </a:fld>
             <a:endParaRPr lang="en-IL"/>
           </a:p>
@@ -7401,7 +7401,7 @@
           <a:p>
             <a:fld id="{CA9007D8-E20B-448A-91C5-70C371552000}" type="datetime8">
               <a:rPr lang="en-IL" smtClean="0"/>
-              <a:t>23/01/2021 13:49</a:t>
+              <a:t>03/02/2021 21:04</a:t>
             </a:fld>
             <a:endParaRPr lang="en-IL"/>
           </a:p>
@@ -8254,7 +8254,7 @@
           <a:p>
             <a:fld id="{CA9007D8-E20B-448A-91C5-70C371552000}" type="datetime8">
               <a:rPr lang="en-IL" smtClean="0"/>
-              <a:t>23/01/2021 13:49</a:t>
+              <a:t>03/02/2021 21:04</a:t>
             </a:fld>
             <a:endParaRPr lang="en-IL"/>
           </a:p>
@@ -8460,7 +8460,7 @@
           <a:p>
             <a:fld id="{CA9007D8-E20B-448A-91C5-70C371552000}" type="datetime8">
               <a:rPr lang="en-IL" smtClean="0"/>
-              <a:t>23/01/2021 13:49</a:t>
+              <a:t>03/02/2021 21:04</a:t>
             </a:fld>
             <a:endParaRPr lang="en-IL"/>
           </a:p>
@@ -8675,7 +8675,7 @@
           <a:p>
             <a:fld id="{CA9007D8-E20B-448A-91C5-70C371552000}" type="datetime8">
               <a:rPr lang="en-IL" smtClean="0"/>
-              <a:t>23/01/2021 13:49</a:t>
+              <a:t>03/02/2021 21:04</a:t>
             </a:fld>
             <a:endParaRPr lang="en-IL"/>
           </a:p>
@@ -8856,7 +8856,7 @@
           <a:p>
             <a:fld id="{CA9007D8-E20B-448A-91C5-70C371552000}" type="datetime8">
               <a:rPr lang="en-IL" smtClean="0"/>
-              <a:t>23/01/2021 13:49</a:t>
+              <a:t>03/02/2021 21:04</a:t>
             </a:fld>
             <a:endParaRPr lang="en-IL"/>
           </a:p>
@@ -9062,7 +9062,7 @@
           <a:p>
             <a:fld id="{CA9007D8-E20B-448A-91C5-70C371552000}" type="datetime8">
               <a:rPr lang="en-IL" smtClean="0"/>
-              <a:t>23/01/2021 13:49</a:t>
+              <a:t>03/02/2021 21:04</a:t>
             </a:fld>
             <a:endParaRPr lang="en-IL"/>
           </a:p>
@@ -9343,7 +9343,7 @@
           <a:p>
             <a:fld id="{CA9007D8-E20B-448A-91C5-70C371552000}" type="datetime8">
               <a:rPr lang="en-IL" smtClean="0"/>
-              <a:t>23/01/2021 13:49</a:t>
+              <a:t>03/02/2021 21:04</a:t>
             </a:fld>
             <a:endParaRPr lang="en-IL"/>
           </a:p>
@@ -9611,7 +9611,7 @@
           <a:p>
             <a:fld id="{CA9007D8-E20B-448A-91C5-70C371552000}" type="datetime8">
               <a:rPr lang="en-IL" smtClean="0"/>
-              <a:t>23/01/2021 13:49</a:t>
+              <a:t>03/02/2021 21:04</a:t>
             </a:fld>
             <a:endParaRPr lang="en-IL"/>
           </a:p>
@@ -10027,7 +10027,7 @@
           <a:p>
             <a:fld id="{CA9007D8-E20B-448A-91C5-70C371552000}" type="datetime8">
               <a:rPr lang="en-IL" smtClean="0"/>
-              <a:t>23/01/2021 13:49</a:t>
+              <a:t>03/02/2021 21:04</a:t>
             </a:fld>
             <a:endParaRPr lang="en-IL"/>
           </a:p>
@@ -10176,7 +10176,7 @@
           <a:p>
             <a:fld id="{CA9007D8-E20B-448A-91C5-70C371552000}" type="datetime8">
               <a:rPr lang="en-IL" smtClean="0"/>
-              <a:t>23/01/2021 13:49</a:t>
+              <a:t>03/02/2021 21:04</a:t>
             </a:fld>
             <a:endParaRPr lang="en-IL"/>
           </a:p>
@@ -10302,7 +10302,7 @@
           <a:p>
             <a:fld id="{CA9007D8-E20B-448A-91C5-70C371552000}" type="datetime8">
               <a:rPr lang="en-IL" smtClean="0"/>
-              <a:t>23/01/2021 13:49</a:t>
+              <a:t>03/02/2021 21:04</a:t>
             </a:fld>
             <a:endParaRPr lang="en-IL"/>
           </a:p>
@@ -10582,7 +10582,7 @@
           <a:p>
             <a:fld id="{CA9007D8-E20B-448A-91C5-70C371552000}" type="datetime8">
               <a:rPr lang="en-IL" smtClean="0"/>
-              <a:t>23/01/2021 13:49</a:t>
+              <a:t>03/02/2021 21:04</a:t>
             </a:fld>
             <a:endParaRPr lang="en-IL"/>
           </a:p>
@@ -10895,7 +10895,7 @@
           <a:p>
             <a:fld id="{CA9007D8-E20B-448A-91C5-70C371552000}" type="datetime8">
               <a:rPr lang="en-IL" smtClean="0"/>
-              <a:t>23/01/2021 13:49</a:t>
+              <a:t>03/02/2021 21:04</a:t>
             </a:fld>
             <a:endParaRPr lang="en-IL"/>
           </a:p>
@@ -11149,7 +11149,7 @@
           <a:p>
             <a:fld id="{CA9007D8-E20B-448A-91C5-70C371552000}" type="datetime8">
               <a:rPr lang="en-IL" smtClean="0"/>
-              <a:t>23/01/2021 13:49</a:t>
+              <a:t>03/02/2021 21:04</a:t>
             </a:fld>
             <a:endParaRPr lang="en-IL"/>
           </a:p>
@@ -11856,8 +11856,9 @@
           <a:bodyPr/>
           <a:lstStyle/>
           <a:p>
-            <a:pPr marL="0" indent="0" algn="l">
-              <a:buNone/>
+            <a:pPr algn="l">
+              <a:buFont typeface="Wingdings" pitchFamily="2" charset="2"/>
+              <a:buChar char="v"/>
             </a:pPr>
             <a:r>
               <a:rPr lang="en-US" dirty="0"/>
@@ -11883,7 +11884,12 @@
             <p:ph type="sldNum" sz="quarter" idx="12"/>
           </p:nvPr>
         </p:nvSpPr>
-        <p:spPr/>
+        <p:spPr>
+          <a:xfrm>
+            <a:off x="11108371" y="6355534"/>
+            <a:ext cx="764215" cy="365125"/>
+          </a:xfrm>
+        </p:spPr>
         <p:txBody>
           <a:bodyPr/>
           <a:lstStyle/>
@@ -11892,7 +11898,7 @@
               <a:rPr lang="en-IL" smtClean="0"/>
               <a:t>10</a:t>
             </a:fld>
-            <a:endParaRPr lang="en-IL"/>
+            <a:endParaRPr lang="en-IL" dirty="0"/>
           </a:p>
         </p:txBody>
       </p:sp>
@@ -11983,7 +11989,7 @@
         <p:spPr>
           <a:xfrm>
             <a:off x="437562" y="4766355"/>
-            <a:ext cx="3840480" cy="369332"/>
+            <a:ext cx="3840480" cy="397032"/>
           </a:xfrm>
           <a:prstGeom prst="rect">
             <a:avLst/>
@@ -11996,19 +12002,21 @@
           </a:bodyPr>
           <a:lstStyle/>
           <a:p>
-            <a:pPr rtl="1">
+            <a:pPr marL="342900" indent="-342900">
               <a:lnSpc>
                 <a:spcPct val="90000"/>
               </a:lnSpc>
               <a:spcBef>
                 <a:spcPts val="1000"/>
               </a:spcBef>
+              <a:buFont typeface="Wingdings" pitchFamily="2" charset="2"/>
+              <a:buChar char="v"/>
             </a:pPr>
             <a:r>
-              <a:rPr lang="en-US" sz="2000" dirty="0"/>
+              <a:rPr lang="en-US" sz="2200" dirty="0"/>
               <a:t>Remove missing data</a:t>
             </a:r>
-            <a:endParaRPr lang="he-IL" sz="2000" dirty="0"/>
+            <a:endParaRPr lang="he-IL" sz="2200" dirty="0"/>
           </a:p>
         </p:txBody>
       </p:sp>
@@ -12047,7 +12055,7 @@
         </p:blipFill>
         <p:spPr>
           <a:xfrm>
-            <a:off x="157836" y="5572323"/>
+            <a:off x="157836" y="5480260"/>
             <a:ext cx="11619698" cy="489594"/>
           </a:xfrm>
           <a:prstGeom prst="rect">
@@ -12334,8 +12342,8 @@
         </p:blipFill>
         <p:spPr>
           <a:xfrm>
-            <a:off x="970316" y="2343825"/>
-            <a:ext cx="6525986" cy="3700289"/>
+            <a:off x="805550" y="2250401"/>
+            <a:ext cx="6690752" cy="3793713"/>
           </a:xfrm>
           <a:prstGeom prst="rect">
             <a:avLst/>
@@ -12356,8 +12364,8 @@
         </p:nvSpPr>
         <p:spPr>
           <a:xfrm>
-            <a:off x="8221980" y="2877748"/>
-            <a:ext cx="3131820" cy="369332"/>
+            <a:off x="7989570" y="3211770"/>
+            <a:ext cx="3396880" cy="400110"/>
           </a:xfrm>
           <a:prstGeom prst="rect">
             <a:avLst/>
@@ -12370,12 +12378,77 @@
           </a:bodyPr>
           <a:lstStyle/>
           <a:p>
-            <a:pPr marL="0" algn="r" defTabSz="914400" rtl="1" eaLnBrk="1" latinLnBrk="0" hangingPunct="1"/>
+            <a:pPr marL="285750" indent="-285750" defTabSz="914400" eaLnBrk="1" latinLnBrk="0" hangingPunct="1">
+              <a:buFont typeface="Wingdings" pitchFamily="2" charset="2"/>
+              <a:buChar char="v"/>
+            </a:pPr>
             <a:r>
-              <a:rPr lang="en-US" dirty="0"/>
+              <a:rPr lang="en-US" sz="2000" dirty="0"/>
               <a:t>For drop outliers I used IQR</a:t>
             </a:r>
-            <a:endParaRPr lang="en-IL" dirty="0"/>
+            <a:r>
+              <a:rPr lang="he-IL" sz="2000" dirty="0"/>
+              <a:t>.</a:t>
+            </a:r>
+            <a:endParaRPr lang="en-IL" sz="2000" dirty="0"/>
+          </a:p>
+        </p:txBody>
+      </p:sp>
+      <p:sp>
+        <p:nvSpPr>
+          <p:cNvPr id="2" name="TextBox 1">
+            <a:extLst>
+              <a:ext uri="{FF2B5EF4-FFF2-40B4-BE49-F238E27FC236}">
+                <a16:creationId xmlns:a16="http://schemas.microsoft.com/office/drawing/2014/main" id="{76F68FE4-0507-7A4C-8622-6756A642B8E3}"/>
+              </a:ext>
+            </a:extLst>
+          </p:cNvPr>
+          <p:cNvSpPr txBox="1"/>
+          <p:nvPr/>
+        </p:nvSpPr>
+        <p:spPr>
+          <a:xfrm>
+            <a:off x="7989570" y="3611880"/>
+            <a:ext cx="3874770" cy="1323439"/>
+          </a:xfrm>
+          <a:prstGeom prst="rect">
+            <a:avLst/>
+          </a:prstGeom>
+          <a:noFill/>
+        </p:spPr>
+        <p:txBody>
+          <a:bodyPr wrap="square" rtlCol="0">
+            <a:spAutoFit/>
+          </a:bodyPr>
+          <a:lstStyle/>
+          <a:p>
+            <a:pPr marL="285750" indent="-285750">
+              <a:buFont typeface="Wingdings" pitchFamily="2" charset="2"/>
+              <a:buChar char="v"/>
+            </a:pPr>
+            <a:r>
+              <a:rPr lang="en-US" sz="2000" dirty="0"/>
+              <a:t>I decided to remove the right side which was over 3 million NIS</a:t>
+            </a:r>
+            <a:r>
+              <a:rPr lang="he-IL" sz="2000" dirty="0"/>
+              <a:t>.</a:t>
+            </a:r>
+          </a:p>
+          <a:p>
+            <a:pPr marL="285750" indent="-285750">
+              <a:buFont typeface="Wingdings" pitchFamily="2" charset="2"/>
+              <a:buChar char="v"/>
+            </a:pPr>
+            <a:r>
+              <a:rPr lang="en-US" sz="2000" dirty="0"/>
+              <a:t>On the left, I removed according to the visualization</a:t>
+            </a:r>
+            <a:r>
+              <a:rPr lang="he-IL" sz="2000" dirty="0"/>
+              <a:t>.</a:t>
+            </a:r>
+            <a:endParaRPr lang="en-IL" sz="2000" dirty="0"/>
           </a:p>
         </p:txBody>
       </p:sp>
@@ -12646,7 +12719,7 @@
         <p:spPr>
           <a:xfrm>
             <a:off x="144780" y="386776"/>
-            <a:ext cx="1508760" cy="553998"/>
+            <a:ext cx="1329690" cy="553998"/>
           </a:xfrm>
           <a:prstGeom prst="rect">
             <a:avLst/>
@@ -12701,8 +12774,8 @@
         </p:blipFill>
         <p:spPr>
           <a:xfrm>
-            <a:off x="895996" y="920716"/>
-            <a:ext cx="7219304" cy="2131094"/>
+            <a:off x="1234440" y="786878"/>
+            <a:ext cx="7338060" cy="2166150"/>
           </a:xfrm>
           <a:prstGeom prst="rect">
             <a:avLst/>
@@ -12737,8 +12810,8 @@
         </p:blipFill>
         <p:spPr>
           <a:xfrm>
-            <a:off x="2681627" y="4359876"/>
-            <a:ext cx="8990553" cy="2131094"/>
+            <a:off x="2665666" y="4359876"/>
+            <a:ext cx="9526334" cy="2498124"/>
           </a:xfrm>
           <a:prstGeom prst="rect">
             <a:avLst/>
@@ -13086,8 +13159,8 @@
         </p:blipFill>
         <p:spPr bwMode="auto">
           <a:xfrm rot="10800000">
-            <a:off x="5491164" y="2618911"/>
-            <a:ext cx="1821267" cy="1676650"/>
+            <a:off x="5335817" y="2618911"/>
+            <a:ext cx="1976613" cy="1676650"/>
           </a:xfrm>
           <a:prstGeom prst="rect">
             <a:avLst/>
@@ -13118,8 +13191,8 @@
         </p:nvSpPr>
         <p:spPr>
           <a:xfrm>
-            <a:off x="3977640" y="5274797"/>
-            <a:ext cx="5097780" cy="553998"/>
+            <a:off x="3739602" y="5274797"/>
+            <a:ext cx="5335818" cy="553998"/>
           </a:xfrm>
           <a:prstGeom prst="rect">
             <a:avLst/>
@@ -13795,8 +13868,8 @@
         </p:blipFill>
         <p:spPr>
           <a:xfrm>
-            <a:off x="738991" y="1585493"/>
-            <a:ext cx="10260479" cy="4770857"/>
+            <a:off x="548641" y="1585493"/>
+            <a:ext cx="10450830" cy="4906747"/>
           </a:xfrm>
           <a:prstGeom prst="rect">
             <a:avLst/>
@@ -14185,18 +14258,11 @@
           <a:lstStyle/>
           <a:p>
             <a:r>
-              <a:rPr lang="en-US" dirty="0" err="1">
-                <a:latin typeface="AppleMyungjo" pitchFamily="2" charset="-127"/>
-                <a:ea typeface="AppleMyungjo" pitchFamily="2" charset="-127"/>
-              </a:rPr>
-              <a:t>Yarin</a:t>
-            </a:r>
-            <a:r>
               <a:rPr lang="en-US" dirty="0">
                 <a:latin typeface="AppleMyungjo" pitchFamily="2" charset="-127"/>
                 <a:ea typeface="AppleMyungjo" pitchFamily="2" charset="-127"/>
               </a:rPr>
-              <a:t> Ben Baruch</a:t>
+              <a:t>Yarin Ben Baruch</a:t>
             </a:r>
             <a:r>
               <a:rPr lang="he-IL" dirty="0">
@@ -14215,18 +14281,11 @@
           </a:p>
           <a:p>
             <a:r>
-              <a:rPr lang="en-US" dirty="0" err="1">
-                <a:latin typeface="AppleMyungjo" pitchFamily="2" charset="-127"/>
-                <a:ea typeface="AppleMyungjo" pitchFamily="2" charset="-127"/>
-              </a:rPr>
-              <a:t>Github</a:t>
-            </a:r>
-            <a:r>
               <a:rPr lang="en-US" dirty="0">
                 <a:latin typeface="AppleMyungjo" pitchFamily="2" charset="-127"/>
                 <a:ea typeface="AppleMyungjo" pitchFamily="2" charset="-127"/>
               </a:rPr>
-              <a:t>  </a:t>
+              <a:t>Github  </a:t>
             </a:r>
             <a:r>
               <a:rPr lang="en-US" dirty="0">
@@ -14619,81 +14678,6 @@
   <p:clrMapOvr>
     <a:masterClrMapping/>
   </p:clrMapOvr>
-  <p:timing>
-    <p:tnLst>
-      <p:par>
-        <p:cTn id="1" dur="indefinite" restart="never" nodeType="tmRoot">
-          <p:childTnLst>
-            <p:seq concurrent="1" nextAc="seek">
-              <p:cTn id="2" dur="indefinite" nodeType="mainSeq">
-                <p:childTnLst>
-                  <p:par>
-                    <p:cTn id="3" fill="hold">
-                      <p:stCondLst>
-                        <p:cond delay="indefinite"/>
-                      </p:stCondLst>
-                      <p:childTnLst>
-                        <p:par>
-                          <p:cTn id="4" fill="hold">
-                            <p:stCondLst>
-                              <p:cond delay="0"/>
-                            </p:stCondLst>
-                            <p:childTnLst>
-                              <p:par>
-                                <p:cTn id="5" presetID="1" presetClass="entr" presetSubtype="0" fill="hold" nodeType="clickEffect">
-                                  <p:stCondLst>
-                                    <p:cond delay="0"/>
-                                  </p:stCondLst>
-                                  <p:childTnLst>
-                                    <p:set>
-                                      <p:cBhvr>
-                                        <p:cTn id="6" dur="1" fill="hold">
-                                          <p:stCondLst>
-                                            <p:cond delay="0"/>
-                                          </p:stCondLst>
-                                        </p:cTn>
-                                        <p:tgtEl>
-                                          <p:spTgt spid="2052"/>
-                                        </p:tgtEl>
-                                        <p:attrNameLst>
-                                          <p:attrName>style.visibility</p:attrName>
-                                        </p:attrNameLst>
-                                      </p:cBhvr>
-                                      <p:to>
-                                        <p:strVal val="visible"/>
-                                      </p:to>
-                                    </p:set>
-                                  </p:childTnLst>
-                                </p:cTn>
-                              </p:par>
-                            </p:childTnLst>
-                          </p:cTn>
-                        </p:par>
-                      </p:childTnLst>
-                    </p:cTn>
-                  </p:par>
-                </p:childTnLst>
-              </p:cTn>
-              <p:prevCondLst>
-                <p:cond evt="onPrev" delay="0">
-                  <p:tgtEl>
-                    <p:sldTgt/>
-                  </p:tgtEl>
-                </p:cond>
-              </p:prevCondLst>
-              <p:nextCondLst>
-                <p:cond evt="onNext" delay="0">
-                  <p:tgtEl>
-                    <p:sldTgt/>
-                  </p:tgtEl>
-                </p:cond>
-              </p:nextCondLst>
-            </p:seq>
-          </p:childTnLst>
-        </p:cTn>
-      </p:par>
-    </p:tnLst>
-  </p:timing>
 </p:sld>
 </file>
 
@@ -14960,7 +14944,7 @@
         <p:spPr>
           <a:xfrm>
             <a:off x="1771650" y="1410566"/>
-            <a:ext cx="7845873" cy="5116835"/>
+            <a:ext cx="8321040" cy="5426724"/>
           </a:xfrm>
           <a:prstGeom prst="rect">
             <a:avLst/>
@@ -15219,7 +15203,7 @@
         </p:nvSpPr>
         <p:spPr>
           <a:xfrm>
-            <a:off x="490146" y="43562"/>
+            <a:off x="546810" y="46877"/>
             <a:ext cx="11098379" cy="492443"/>
           </a:xfrm>
           <a:prstGeom prst="rect">
@@ -15275,8 +15259,8 @@
         </p:blipFill>
         <p:spPr>
           <a:xfrm>
-            <a:off x="6480810" y="1045627"/>
-            <a:ext cx="5711190" cy="5093260"/>
+            <a:off x="6579632" y="1045627"/>
+            <a:ext cx="5612368" cy="5394968"/>
           </a:xfrm>
           <a:prstGeom prst="rect">
             <a:avLst/>
@@ -15311,8 +15295,8 @@
         </p:blipFill>
         <p:spPr>
           <a:xfrm>
-            <a:off x="490146" y="1045627"/>
-            <a:ext cx="4508097" cy="5093260"/>
+            <a:off x="-1" y="731515"/>
+            <a:ext cx="5053165" cy="5709079"/>
           </a:xfrm>
           <a:prstGeom prst="rect">
             <a:avLst/>
@@ -15348,7 +15332,7 @@
         </p:blipFill>
         <p:spPr bwMode="auto">
           <a:xfrm rot="10800000">
-            <a:off x="4643914" y="1915606"/>
+            <a:off x="4709528" y="2272067"/>
             <a:ext cx="1935718" cy="1676650"/>
           </a:xfrm>
           <a:prstGeom prst="rect">
@@ -15573,8 +15557,8 @@
         </p:blipFill>
         <p:spPr bwMode="auto">
           <a:xfrm>
-            <a:off x="6183630" y="3177470"/>
-            <a:ext cx="6008370" cy="3680530"/>
+            <a:off x="6078495" y="3113068"/>
+            <a:ext cx="6113505" cy="3744932"/>
           </a:xfrm>
           <a:prstGeom prst="rect">
             <a:avLst/>
@@ -15687,8 +15671,8 @@
         </p:blipFill>
         <p:spPr bwMode="auto">
           <a:xfrm>
-            <a:off x="5336498" y="0"/>
-            <a:ext cx="6855502" cy="6858000"/>
+            <a:off x="5554980" y="0"/>
+            <a:ext cx="6637020" cy="6858000"/>
           </a:xfrm>
           <a:prstGeom prst="rect">
             <a:avLst/>
@@ -15733,6 +15717,10 @@
           </a:bodyPr>
           <a:lstStyle/>
           <a:p>
+            <a:pPr marL="285750" indent="-285750">
+              <a:buFont typeface="Wingdings" pitchFamily="2" charset="2"/>
+              <a:buChar char="v"/>
+            </a:pPr>
             <a:r>
               <a:rPr lang="en-US" dirty="0">
                 <a:latin typeface="AppleMyungjo" pitchFamily="2" charset="-127"/>
@@ -15781,6 +15769,10 @@
           </a:bodyPr>
           <a:lstStyle/>
           <a:p>
+            <a:pPr marL="285750" indent="-285750">
+              <a:buFont typeface="Wingdings" pitchFamily="2" charset="2"/>
+              <a:buChar char="v"/>
+            </a:pPr>
             <a:r>
               <a:rPr lang="en-US" dirty="0">
                 <a:latin typeface="AppleMyungjo" pitchFamily="2" charset="-127"/>
@@ -15896,7 +15888,7 @@
             <p:ph idx="1"/>
             <p:extLst>
               <p:ext uri="{D42A27DB-BD31-4B8C-83A1-F6EECF244321}">
-                <p14:modId xmlns:p14="http://schemas.microsoft.com/office/powerpoint/2010/main" val="3704633813"/>
+                <p14:modId xmlns:p14="http://schemas.microsoft.com/office/powerpoint/2010/main" val="2435324632"/>
               </p:ext>
             </p:extLst>
           </p:nvPr>
@@ -16238,9 +16230,11 @@
               <a:rPr lang="en-US" dirty="0"/>
               <a:t> website.</a:t>
             </a:r>
-            <a:endParaRPr lang="he-IL" dirty="0"/>
-          </a:p>
-          <a:p>
+          </a:p>
+          <a:p>
+            <a:pPr marL="0" indent="0">
+              <a:buNone/>
+            </a:pPr>
             <a:endParaRPr lang="he-IL" dirty="0"/>
           </a:p>
         </p:txBody>
@@ -16627,6 +16621,139 @@
   <p:clrMapOvr>
     <a:masterClrMapping/>
   </p:clrMapOvr>
+  <p:timing>
+    <p:tnLst>
+      <p:par>
+        <p:cTn id="1" dur="indefinite" restart="never" nodeType="tmRoot">
+          <p:childTnLst>
+            <p:seq concurrent="1" nextAc="seek">
+              <p:cTn id="2" dur="indefinite" nodeType="mainSeq">
+                <p:childTnLst>
+                  <p:par>
+                    <p:cTn id="3" fill="hold">
+                      <p:stCondLst>
+                        <p:cond delay="indefinite"/>
+                      </p:stCondLst>
+                      <p:childTnLst>
+                        <p:par>
+                          <p:cTn id="4" fill="hold">
+                            <p:stCondLst>
+                              <p:cond delay="0"/>
+                            </p:stCondLst>
+                            <p:childTnLst>
+                              <p:par>
+                                <p:cTn id="5" presetID="1" presetClass="entr" presetSubtype="0" fill="hold" grpId="0" nodeType="clickEffect">
+                                  <p:stCondLst>
+                                    <p:cond delay="0"/>
+                                  </p:stCondLst>
+                                  <p:childTnLst>
+                                    <p:set>
+                                      <p:cBhvr>
+                                        <p:cTn id="6" dur="1" fill="hold">
+                                          <p:stCondLst>
+                                            <p:cond delay="0"/>
+                                          </p:stCondLst>
+                                        </p:cTn>
+                                        <p:tgtEl>
+                                          <p:spTgt spid="3"/>
+                                        </p:tgtEl>
+                                        <p:attrNameLst>
+                                          <p:attrName>style.visibility</p:attrName>
+                                        </p:attrNameLst>
+                                      </p:cBhvr>
+                                      <p:to>
+                                        <p:strVal val="visible"/>
+                                      </p:to>
+                                    </p:set>
+                                  </p:childTnLst>
+                                </p:cTn>
+                              </p:par>
+                              <p:par>
+                                <p:cTn id="7" presetID="1" presetClass="entr" presetSubtype="0" fill="hold" grpId="0" nodeType="withEffect">
+                                  <p:stCondLst>
+                                    <p:cond delay="0"/>
+                                  </p:stCondLst>
+                                  <p:childTnLst>
+                                    <p:set>
+                                      <p:cBhvr>
+                                        <p:cTn id="8" dur="1" fill="hold">
+                                          <p:stCondLst>
+                                            <p:cond delay="0"/>
+                                          </p:stCondLst>
+                                        </p:cTn>
+                                        <p:tgtEl>
+                                          <p:spTgt spid="6"/>
+                                        </p:tgtEl>
+                                        <p:attrNameLst>
+                                          <p:attrName>style.visibility</p:attrName>
+                                        </p:attrNameLst>
+                                      </p:cBhvr>
+                                      <p:to>
+                                        <p:strVal val="visible"/>
+                                      </p:to>
+                                    </p:set>
+                                  </p:childTnLst>
+                                </p:cTn>
+                              </p:par>
+                              <p:par>
+                                <p:cTn id="9" presetID="1" presetClass="entr" presetSubtype="0" fill="hold" nodeType="withEffect">
+                                  <p:stCondLst>
+                                    <p:cond delay="0"/>
+                                  </p:stCondLst>
+                                  <p:childTnLst>
+                                    <p:set>
+                                      <p:cBhvr>
+                                        <p:cTn id="10" dur="1" fill="hold">
+                                          <p:stCondLst>
+                                            <p:cond delay="0"/>
+                                          </p:stCondLst>
+                                        </p:cTn>
+                                        <p:tgtEl>
+                                          <p:spTgt spid="7"/>
+                                        </p:tgtEl>
+                                        <p:attrNameLst>
+                                          <p:attrName>style.visibility</p:attrName>
+                                        </p:attrNameLst>
+                                      </p:cBhvr>
+                                      <p:to>
+                                        <p:strVal val="visible"/>
+                                      </p:to>
+                                    </p:set>
+                                  </p:childTnLst>
+                                </p:cTn>
+                              </p:par>
+                            </p:childTnLst>
+                          </p:cTn>
+                        </p:par>
+                      </p:childTnLst>
+                    </p:cTn>
+                  </p:par>
+                </p:childTnLst>
+              </p:cTn>
+              <p:prevCondLst>
+                <p:cond evt="onPrev" delay="0">
+                  <p:tgtEl>
+                    <p:sldTgt/>
+                  </p:tgtEl>
+                </p:cond>
+              </p:prevCondLst>
+              <p:nextCondLst>
+                <p:cond evt="onNext" delay="0">
+                  <p:tgtEl>
+                    <p:sldTgt/>
+                  </p:tgtEl>
+                </p:cond>
+              </p:nextCondLst>
+            </p:seq>
+          </p:childTnLst>
+        </p:cTn>
+      </p:par>
+    </p:tnLst>
+    <p:bldLst>
+      <p:bldP spid="3" grpId="0"/>
+      <p:bldP spid="6" grpId="0"/>
+    </p:bldLst>
+  </p:timing>
 </p:sld>
 </file>
 
@@ -17212,13 +17339,13 @@
         </p:nvSpPr>
         <p:spPr>
           <a:xfrm>
-            <a:off x="735330" y="136525"/>
-            <a:ext cx="10515600" cy="1325563"/>
+            <a:off x="762626" y="62613"/>
+            <a:ext cx="10515600" cy="1394460"/>
           </a:xfrm>
         </p:spPr>
         <p:txBody>
           <a:bodyPr vert="horz" lIns="91440" tIns="45720" rIns="91440" bIns="45720" rtlCol="0" anchor="ctr">
-            <a:normAutofit fontScale="90000"/>
+            <a:normAutofit/>
           </a:bodyPr>
           <a:lstStyle/>
           <a:p>
@@ -17229,12 +17356,6 @@
               </a:rPr>
               <a:t>Data information</a:t>
             </a:r>
-            <a:br>
-              <a:rPr lang="he-IL" sz="4800" dirty="0">
-                <a:latin typeface="AppleMyungjo" pitchFamily="2" charset="-127"/>
-                <a:ea typeface="AppleMyungjo" pitchFamily="2" charset="-127"/>
-              </a:rPr>
-            </a:br>
             <a:endParaRPr lang="en-IL" sz="4800" dirty="0">
               <a:ea typeface="AppleMyungjo" pitchFamily="2" charset="-127"/>
             </a:endParaRPr>
@@ -17257,14 +17378,14 @@
             <p:ph idx="1"/>
             <p:extLst>
               <p:ext uri="{D42A27DB-BD31-4B8C-83A1-F6EECF244321}">
-                <p14:modId xmlns:p14="http://schemas.microsoft.com/office/powerpoint/2010/main" val="3901561248"/>
+                <p14:modId xmlns:p14="http://schemas.microsoft.com/office/powerpoint/2010/main" val="416624504"/>
               </p:ext>
             </p:extLst>
           </p:nvPr>
         </p:nvGraphicFramePr>
         <p:xfrm>
-          <a:off x="0" y="952305"/>
-          <a:ext cx="12106275" cy="5905695"/>
+          <a:off x="42862" y="1314451"/>
+          <a:ext cx="12106275" cy="5543552"/>
         </p:xfrm>
         <a:graphic>
           <a:graphicData uri="http://schemas.openxmlformats.org/drawingml/2006/table">
@@ -17280,14 +17401,14 @@
                     </a:ext>
                   </a:extLst>
                 </a:gridCol>
-                <a:gridCol w="3599829">
+                <a:gridCol w="3133415">
                   <a:extLst>
                     <a:ext uri="{9D8B030D-6E8A-4147-A177-3AD203B41FA5}">
                       <a16:colId xmlns:a16="http://schemas.microsoft.com/office/drawing/2014/main" val="1097324686"/>
                     </a:ext>
                   </a:extLst>
                 </a:gridCol>
-                <a:gridCol w="4253223">
+                <a:gridCol w="4719637">
                   <a:extLst>
                     <a:ext uri="{9D8B030D-6E8A-4147-A177-3AD203B41FA5}">
                       <a16:colId xmlns:a16="http://schemas.microsoft.com/office/drawing/2014/main" val="3628823097"/>
@@ -17295,7 +17416,7 @@
                   </a:extLst>
                 </a:gridCol>
               </a:tblGrid>
-              <a:tr h="345065">
+              <a:tr h="375419">
                 <a:tc>
                   <a:txBody>
                     <a:bodyPr/>
@@ -17332,7 +17453,7 @@
                     <a:p>
                       <a:r>
                         <a:rPr lang="en-US" dirty="0"/>
-                        <a:t>Table of Contents</a:t>
+                        <a:t>Table columns</a:t>
                       </a:r>
                       <a:endParaRPr lang="en-IL" dirty="0"/>
                     </a:p>
@@ -17345,7 +17466,7 @@
                   </a:ext>
                 </a:extLst>
               </a:tr>
-              <a:tr h="603863">
+              <a:tr h="656983">
                 <a:tc>
                   <a:txBody>
                     <a:bodyPr/>
@@ -17452,7 +17573,7 @@
                   </a:ext>
                 </a:extLst>
               </a:tr>
-              <a:tr h="862662">
+              <a:tr h="938547">
                 <a:tc>
                   <a:txBody>
                     <a:bodyPr/>
@@ -17561,7 +17682,7 @@
                   </a:ext>
                 </a:extLst>
               </a:tr>
-              <a:tr h="862662">
+              <a:tr h="938547">
                 <a:tc>
                   <a:txBody>
                     <a:bodyPr/>
@@ -17671,7 +17792,7 @@
                   </a:ext>
                 </a:extLst>
               </a:tr>
-              <a:tr h="862662">
+              <a:tr h="938547">
                 <a:tc>
                   <a:txBody>
                     <a:bodyPr/>
@@ -17780,7 +17901,7 @@
                   </a:ext>
                 </a:extLst>
               </a:tr>
-              <a:tr h="2156655">
+              <a:tr h="1695509">
                 <a:tc>
                   <a:txBody>
                     <a:bodyPr/>
@@ -17876,62 +17997,18 @@
                         </a:rPr>
                         <a:t>Gardens, Shopping, Pedestrian_comfort</a:t>
                       </a:r>
-                      <a:endParaRPr lang="en-US" sz="1800" kern="1200" dirty="0">
-                        <a:solidFill>
-                          <a:schemeClr val="dk1"/>
-                        </a:solidFill>
-                        <a:effectLst/>
-                        <a:latin typeface="+mn-lt"/>
-                        <a:ea typeface="+mn-ea"/>
-                        <a:cs typeface="+mn-cs"/>
-                      </a:endParaRPr>
-                    </a:p>
-                    <a:p>
-                      <a:pPr marL="0" marR="0" lvl="0" indent="0" algn="l" defTabSz="914400" rtl="0" eaLnBrk="1" fontAlgn="auto" latinLnBrk="0" hangingPunct="1">
-                        <a:lnSpc>
-                          <a:spcPct val="100000"/>
-                        </a:lnSpc>
-                        <a:spcBef>
-                          <a:spcPts val="0"/>
-                        </a:spcBef>
-                        <a:spcAft>
-                          <a:spcPts val="0"/>
-                        </a:spcAft>
-                        <a:buClrTx/>
-                        <a:buSzTx/>
-                        <a:buFontTx/>
-                        <a:buNone/>
-                        <a:tabLst/>
-                        <a:defRPr/>
-                      </a:pPr>
-                      <a:endParaRPr lang="en-US" sz="1800" kern="1200" dirty="0">
-                        <a:solidFill>
-                          <a:schemeClr val="dk1"/>
-                        </a:solidFill>
-                        <a:effectLst/>
-                        <a:latin typeface="+mn-lt"/>
-                        <a:ea typeface="+mn-ea"/>
-                        <a:cs typeface="+mn-cs"/>
-                      </a:endParaRPr>
-                    </a:p>
-                    <a:p>
-                      <a:pPr marL="0" marR="0" lvl="0" indent="0" algn="l" defTabSz="914400" rtl="0" eaLnBrk="1" fontAlgn="auto" latinLnBrk="0" hangingPunct="1">
-                        <a:lnSpc>
-                          <a:spcPct val="100000"/>
-                        </a:lnSpc>
-                        <a:spcBef>
-                          <a:spcPts val="0"/>
-                        </a:spcBef>
-                        <a:spcAft>
-                          <a:spcPts val="0"/>
-                        </a:spcAft>
-                        <a:buClrTx/>
-                        <a:buSzTx/>
-                        <a:buFontTx/>
-                        <a:buNone/>
-                        <a:tabLst/>
-                        <a:defRPr/>
-                      </a:pPr>
+                      <a:r>
+                        <a:rPr lang="he-IL" sz="1800" b="1" kern="1200" dirty="0">
+                          <a:solidFill>
+                            <a:schemeClr val="dk1"/>
+                          </a:solidFill>
+                          <a:effectLst/>
+                          <a:latin typeface="+mn-lt"/>
+                          <a:ea typeface="+mn-ea"/>
+                          <a:cs typeface="+mn-cs"/>
+                        </a:rPr>
+                        <a:t>.</a:t>
+                      </a:r>
                       <a:endParaRPr lang="en-US" sz="1800" kern="1200" dirty="0">
                         <a:solidFill>
                           <a:schemeClr val="dk1"/>
@@ -18148,81 +18225,6 @@
   <p:clrMapOvr>
     <a:masterClrMapping/>
   </p:clrMapOvr>
-  <p:timing>
-    <p:tnLst>
-      <p:par>
-        <p:cTn id="1" dur="indefinite" restart="never" nodeType="tmRoot">
-          <p:childTnLst>
-            <p:seq concurrent="1" nextAc="seek">
-              <p:cTn id="2" dur="indefinite" nodeType="mainSeq">
-                <p:childTnLst>
-                  <p:par>
-                    <p:cTn id="3" fill="hold">
-                      <p:stCondLst>
-                        <p:cond delay="indefinite"/>
-                      </p:stCondLst>
-                      <p:childTnLst>
-                        <p:par>
-                          <p:cTn id="4" fill="hold">
-                            <p:stCondLst>
-                              <p:cond delay="0"/>
-                            </p:stCondLst>
-                            <p:childTnLst>
-                              <p:par>
-                                <p:cTn id="5" presetID="1" presetClass="entr" presetSubtype="0" fill="hold" nodeType="clickEffect">
-                                  <p:stCondLst>
-                                    <p:cond delay="0"/>
-                                  </p:stCondLst>
-                                  <p:childTnLst>
-                                    <p:set>
-                                      <p:cBhvr>
-                                        <p:cTn id="6" dur="1" fill="hold">
-                                          <p:stCondLst>
-                                            <p:cond delay="0"/>
-                                          </p:stCondLst>
-                                        </p:cTn>
-                                        <p:tgtEl>
-                                          <p:spTgt spid="2050"/>
-                                        </p:tgtEl>
-                                        <p:attrNameLst>
-                                          <p:attrName>style.visibility</p:attrName>
-                                        </p:attrNameLst>
-                                      </p:cBhvr>
-                                      <p:to>
-                                        <p:strVal val="visible"/>
-                                      </p:to>
-                                    </p:set>
-                                  </p:childTnLst>
-                                </p:cTn>
-                              </p:par>
-                            </p:childTnLst>
-                          </p:cTn>
-                        </p:par>
-                      </p:childTnLst>
-                    </p:cTn>
-                  </p:par>
-                </p:childTnLst>
-              </p:cTn>
-              <p:prevCondLst>
-                <p:cond evt="onPrev" delay="0">
-                  <p:tgtEl>
-                    <p:sldTgt/>
-                  </p:tgtEl>
-                </p:cond>
-              </p:prevCondLst>
-              <p:nextCondLst>
-                <p:cond evt="onNext" delay="0">
-                  <p:tgtEl>
-                    <p:sldTgt/>
-                  </p:tgtEl>
-                </p:cond>
-              </p:nextCondLst>
-            </p:seq>
-          </p:childTnLst>
-        </p:cTn>
-      </p:par>
-    </p:tnLst>
-  </p:timing>
 </p:sld>
 </file>
 

--- a/Real estate.pptx
+++ b/Real estate.pptx
@@ -4626,7 +4626,7 @@
           <a:p>
             <a:fld id="{4C9FECC2-CF1A-49FE-AC4C-08F0A97E605F}" type="datetime8">
               <a:rPr lang="en-IL" smtClean="0"/>
-              <a:t>03/02/2021 21:04</a:t>
+              <a:t>19/02/2021 8:55</a:t>
             </a:fld>
             <a:endParaRPr lang="en-IL"/>
           </a:p>
@@ -5101,7 +5101,7 @@
           <a:p>
             <a:fld id="{24A89830-A7E5-4765-A9AC-03739E936531}" type="datetime8">
               <a:rPr lang="en-IL" smtClean="0"/>
-              <a:t>03/02/2021 21:04</a:t>
+              <a:t>19/02/2021 8:54</a:t>
             </a:fld>
             <a:endParaRPr lang="en-IL"/>
           </a:p>
@@ -5541,7 +5541,7 @@
           <a:p>
             <a:fld id="{CA9007D8-E20B-448A-91C5-70C371552000}" type="datetime8">
               <a:rPr lang="en-IL" smtClean="0"/>
-              <a:t>03/02/2021 21:04</a:t>
+              <a:t>19/02/2021 8:54</a:t>
             </a:fld>
             <a:endParaRPr lang="en-IL"/>
           </a:p>
@@ -5854,7 +5854,7 @@
           <a:p>
             <a:fld id="{CA9007D8-E20B-448A-91C5-70C371552000}" type="datetime8">
               <a:rPr lang="en-IL" smtClean="0"/>
-              <a:t>03/02/2021 21:04</a:t>
+              <a:t>19/02/2021 8:54</a:t>
             </a:fld>
             <a:endParaRPr lang="en-IL"/>
           </a:p>
@@ -6077,7 +6077,7 @@
           <a:p>
             <a:fld id="{CA9007D8-E20B-448A-91C5-70C371552000}" type="datetime8">
               <a:rPr lang="en-IL" smtClean="0"/>
-              <a:t>03/02/2021 21:04</a:t>
+              <a:t>19/02/2021 8:54</a:t>
             </a:fld>
             <a:endParaRPr lang="en-IL"/>
           </a:p>
@@ -6369,7 +6369,7 @@
           <a:p>
             <a:fld id="{CA9007D8-E20B-448A-91C5-70C371552000}" type="datetime8">
               <a:rPr lang="en-IL" smtClean="0"/>
-              <a:t>03/02/2021 21:04</a:t>
+              <a:t>19/02/2021 8:54</a:t>
             </a:fld>
             <a:endParaRPr lang="en-IL"/>
           </a:p>
@@ -6824,7 +6824,7 @@
           <a:p>
             <a:fld id="{CA9007D8-E20B-448A-91C5-70C371552000}" type="datetime8">
               <a:rPr lang="en-IL" smtClean="0"/>
-              <a:t>03/02/2021 21:04</a:t>
+              <a:t>19/02/2021 8:54</a:t>
             </a:fld>
             <a:endParaRPr lang="en-IL"/>
           </a:p>
@@ -7401,7 +7401,7 @@
           <a:p>
             <a:fld id="{CA9007D8-E20B-448A-91C5-70C371552000}" type="datetime8">
               <a:rPr lang="en-IL" smtClean="0"/>
-              <a:t>03/02/2021 21:04</a:t>
+              <a:t>19/02/2021 8:54</a:t>
             </a:fld>
             <a:endParaRPr lang="en-IL"/>
           </a:p>
@@ -8254,7 +8254,7 @@
           <a:p>
             <a:fld id="{CA9007D8-E20B-448A-91C5-70C371552000}" type="datetime8">
               <a:rPr lang="en-IL" smtClean="0"/>
-              <a:t>03/02/2021 21:04</a:t>
+              <a:t>19/02/2021 8:54</a:t>
             </a:fld>
             <a:endParaRPr lang="en-IL"/>
           </a:p>
@@ -8460,7 +8460,7 @@
           <a:p>
             <a:fld id="{CA9007D8-E20B-448A-91C5-70C371552000}" type="datetime8">
               <a:rPr lang="en-IL" smtClean="0"/>
-              <a:t>03/02/2021 21:04</a:t>
+              <a:t>19/02/2021 8:54</a:t>
             </a:fld>
             <a:endParaRPr lang="en-IL"/>
           </a:p>
@@ -8675,7 +8675,7 @@
           <a:p>
             <a:fld id="{CA9007D8-E20B-448A-91C5-70C371552000}" type="datetime8">
               <a:rPr lang="en-IL" smtClean="0"/>
-              <a:t>03/02/2021 21:04</a:t>
+              <a:t>19/02/2021 8:54</a:t>
             </a:fld>
             <a:endParaRPr lang="en-IL"/>
           </a:p>
@@ -8856,7 +8856,7 @@
           <a:p>
             <a:fld id="{CA9007D8-E20B-448A-91C5-70C371552000}" type="datetime8">
               <a:rPr lang="en-IL" smtClean="0"/>
-              <a:t>03/02/2021 21:04</a:t>
+              <a:t>19/02/2021 8:54</a:t>
             </a:fld>
             <a:endParaRPr lang="en-IL"/>
           </a:p>
@@ -9062,7 +9062,7 @@
           <a:p>
             <a:fld id="{CA9007D8-E20B-448A-91C5-70C371552000}" type="datetime8">
               <a:rPr lang="en-IL" smtClean="0"/>
-              <a:t>03/02/2021 21:04</a:t>
+              <a:t>19/02/2021 8:54</a:t>
             </a:fld>
             <a:endParaRPr lang="en-IL"/>
           </a:p>
@@ -9343,7 +9343,7 @@
           <a:p>
             <a:fld id="{CA9007D8-E20B-448A-91C5-70C371552000}" type="datetime8">
               <a:rPr lang="en-IL" smtClean="0"/>
-              <a:t>03/02/2021 21:04</a:t>
+              <a:t>19/02/2021 8:54</a:t>
             </a:fld>
             <a:endParaRPr lang="en-IL"/>
           </a:p>
@@ -9611,7 +9611,7 @@
           <a:p>
             <a:fld id="{CA9007D8-E20B-448A-91C5-70C371552000}" type="datetime8">
               <a:rPr lang="en-IL" smtClean="0"/>
-              <a:t>03/02/2021 21:04</a:t>
+              <a:t>19/02/2021 8:54</a:t>
             </a:fld>
             <a:endParaRPr lang="en-IL"/>
           </a:p>
@@ -10027,7 +10027,7 @@
           <a:p>
             <a:fld id="{CA9007D8-E20B-448A-91C5-70C371552000}" type="datetime8">
               <a:rPr lang="en-IL" smtClean="0"/>
-              <a:t>03/02/2021 21:04</a:t>
+              <a:t>19/02/2021 8:54</a:t>
             </a:fld>
             <a:endParaRPr lang="en-IL"/>
           </a:p>
@@ -10176,7 +10176,7 @@
           <a:p>
             <a:fld id="{CA9007D8-E20B-448A-91C5-70C371552000}" type="datetime8">
               <a:rPr lang="en-IL" smtClean="0"/>
-              <a:t>03/02/2021 21:04</a:t>
+              <a:t>19/02/2021 8:54</a:t>
             </a:fld>
             <a:endParaRPr lang="en-IL"/>
           </a:p>
@@ -10302,7 +10302,7 @@
           <a:p>
             <a:fld id="{CA9007D8-E20B-448A-91C5-70C371552000}" type="datetime8">
               <a:rPr lang="en-IL" smtClean="0"/>
-              <a:t>03/02/2021 21:04</a:t>
+              <a:t>19/02/2021 8:54</a:t>
             </a:fld>
             <a:endParaRPr lang="en-IL"/>
           </a:p>
@@ -10582,7 +10582,7 @@
           <a:p>
             <a:fld id="{CA9007D8-E20B-448A-91C5-70C371552000}" type="datetime8">
               <a:rPr lang="en-IL" smtClean="0"/>
-              <a:t>03/02/2021 21:04</a:t>
+              <a:t>19/02/2021 8:54</a:t>
             </a:fld>
             <a:endParaRPr lang="en-IL"/>
           </a:p>
@@ -10895,7 +10895,7 @@
           <a:p>
             <a:fld id="{CA9007D8-E20B-448A-91C5-70C371552000}" type="datetime8">
               <a:rPr lang="en-IL" smtClean="0"/>
-              <a:t>03/02/2021 21:04</a:t>
+              <a:t>19/02/2021 8:54</a:t>
             </a:fld>
             <a:endParaRPr lang="en-IL"/>
           </a:p>
@@ -11149,7 +11149,7 @@
           <a:p>
             <a:fld id="{CA9007D8-E20B-448A-91C5-70C371552000}" type="datetime8">
               <a:rPr lang="en-IL" smtClean="0"/>
-              <a:t>03/02/2021 21:04</a:t>
+              <a:t>19/02/2021 8:54</a:t>
             </a:fld>
             <a:endParaRPr lang="en-IL"/>
           </a:p>
@@ -13963,7 +13963,7 @@
         </p:blipFill>
         <p:spPr>
           <a:xfrm>
-            <a:off x="1243121" y="679533"/>
+            <a:off x="1243120" y="529631"/>
             <a:ext cx="9454298" cy="6178467"/>
           </a:xfrm>
           <a:prstGeom prst="rect">
@@ -13985,8 +13985,8 @@
         </p:nvSpPr>
         <p:spPr>
           <a:xfrm>
-            <a:off x="2737391" y="195622"/>
-            <a:ext cx="5366479" cy="369332"/>
+            <a:off x="3287030" y="149902"/>
+            <a:ext cx="5765530" cy="400110"/>
           </a:xfrm>
           <a:prstGeom prst="rect">
             <a:avLst/>
@@ -14001,13 +14001,13 @@
           <a:p>
             <a:pPr rtl="1"/>
             <a:r>
-              <a:rPr lang="en-US" dirty="0">
+              <a:rPr lang="en-US" sz="2000" dirty="0">
                 <a:latin typeface="AppleMyungjo" pitchFamily="2" charset="-127"/>
                 <a:ea typeface="AppleMyungjo" pitchFamily="2" charset="-127"/>
               </a:rPr>
               <a:t>Ranking of neighborhoods in a variety of areas</a:t>
             </a:r>
-            <a:endParaRPr lang="en-IL" dirty="0">
+            <a:endParaRPr lang="en-IL" sz="2000" dirty="0">
               <a:ea typeface="AppleMyungjo" pitchFamily="2" charset="-127"/>
             </a:endParaRPr>
           </a:p>
@@ -14249,7 +14249,7 @@
         </p:nvSpPr>
         <p:spPr>
           <a:xfrm>
-            <a:off x="913773" y="1716946"/>
+            <a:off x="929014" y="1760221"/>
             <a:ext cx="10364452" cy="3424107"/>
           </a:xfrm>
         </p:spPr>
@@ -14263,20 +14263,6 @@
                 <a:ea typeface="AppleMyungjo" pitchFamily="2" charset="-127"/>
               </a:rPr>
               <a:t>Yarin Ben Baruch</a:t>
-            </a:r>
-            <a:r>
-              <a:rPr lang="he-IL" dirty="0">
-                <a:latin typeface="AppleMyungjo" pitchFamily="2" charset="-127"/>
-                <a:ea typeface="AppleMyungjo" pitchFamily="2" charset="-127"/>
-              </a:rPr>
-              <a:t> </a:t>
-            </a:r>
-            <a:r>
-              <a:rPr lang="en-US" dirty="0">
-                <a:latin typeface="AppleMyungjo" pitchFamily="2" charset="-127"/>
-                <a:ea typeface="AppleMyungjo" pitchFamily="2" charset="-127"/>
-              </a:rPr>
-              <a:t>– 209040757</a:t>
             </a:r>
           </a:p>
           <a:p>
@@ -14985,7 +14971,7 @@
                 <a:latin typeface="AppleMyungjo" pitchFamily="2" charset="-127"/>
                 <a:ea typeface="AppleMyungjo" pitchFamily="2" charset="-127"/>
               </a:rPr>
-              <a:t>Scatter Plot that presents the model forecast against reality .</a:t>
+              <a:t>Scatter Plot that presents the model forecast against reality.</a:t>
             </a:r>
             <a:endParaRPr lang="en-IL" sz="2800" dirty="0">
               <a:ea typeface="AppleMyungjo" pitchFamily="2" charset="-127"/>
@@ -15332,8 +15318,8 @@
         </p:blipFill>
         <p:spPr bwMode="auto">
           <a:xfrm rot="10800000">
-            <a:off x="4709528" y="2272067"/>
-            <a:ext cx="1935718" cy="1676650"/>
+            <a:off x="4956940" y="2283497"/>
+            <a:ext cx="1718916" cy="1676650"/>
           </a:xfrm>
           <a:prstGeom prst="rect">
             <a:avLst/>
@@ -15466,7 +15452,7 @@
         <p:spPr>
           <a:xfrm>
             <a:off x="652304" y="1604963"/>
-            <a:ext cx="9723120" cy="1508105"/>
+            <a:ext cx="9723120" cy="1600438"/>
           </a:xfrm>
           <a:prstGeom prst="rect">
             <a:avLst/>
@@ -15485,7 +15471,15 @@
             </a:pPr>
             <a:r>
               <a:rPr lang="en-US" dirty="0"/>
-              <a:t>You can buy the house at 2,304,449 NIS</a:t>
+              <a:t>You can buy the house at </a:t>
+            </a:r>
+            <a:r>
+              <a:rPr lang="en-US" sz="2000" dirty="0"/>
+              <a:t>2,304,449</a:t>
+            </a:r>
+            <a:r>
+              <a:rPr lang="en-US" dirty="0"/>
+              <a:t> NIS</a:t>
             </a:r>
           </a:p>
           <a:p>
@@ -15495,7 +15489,15 @@
             </a:pPr>
             <a:r>
               <a:rPr lang="en-US" dirty="0"/>
-              <a:t>After 5 years you can sell it for 2,666,319 NIS</a:t>
+              <a:t>After 5 years you can sell it for </a:t>
+            </a:r>
+            <a:r>
+              <a:rPr lang="en-US" sz="2000" dirty="0"/>
+              <a:t>2,666,319</a:t>
+            </a:r>
+            <a:r>
+              <a:rPr lang="en-US" dirty="0"/>
+              <a:t> NIS</a:t>
             </a:r>
           </a:p>
           <a:p>
@@ -15505,7 +15507,15 @@
             </a:pPr>
             <a:r>
               <a:rPr lang="en-US" dirty="0"/>
-              <a:t>If we add the average rent to 11 months a year 11 * 5800 we will save another 63,800 NIS</a:t>
+              <a:t>If we add the average rent to 11 months a year 11 * 5800 we will save another </a:t>
+            </a:r>
+            <a:r>
+              <a:rPr lang="en-US" sz="2000" dirty="0"/>
+              <a:t>63,800</a:t>
+            </a:r>
+            <a:r>
+              <a:rPr lang="en-US" dirty="0"/>
+              <a:t> NIS</a:t>
             </a:r>
           </a:p>
           <a:p>
@@ -15557,8 +15567,8 @@
         </p:blipFill>
         <p:spPr bwMode="auto">
           <a:xfrm>
-            <a:off x="6078495" y="3113068"/>
-            <a:ext cx="6113505" cy="3744932"/>
+            <a:off x="6012181" y="3072446"/>
+            <a:ext cx="6179820" cy="3785554"/>
           </a:xfrm>
           <a:prstGeom prst="rect">
             <a:avLst/>
